--- a/figures/sch_sphere.pptx
+++ b/figures/sch_sphere.pptx
@@ -243,7 +243,7 @@
           <a:p>
             <a:fld id="{D6934EB8-FF4B-B14C-B345-DC29F5D54B05}" type="datetimeFigureOut">
               <a:rPr kumimoji="1" lang="zh-CN" altLang="en-US" smtClean="0"/>
-              <a:t>2023/8/31</a:t>
+              <a:t>2023/9/11</a:t>
             </a:fld>
             <a:endParaRPr kumimoji="1" lang="zh-CN" altLang="en-US"/>
           </a:p>
@@ -413,7 +413,7 @@
           <a:p>
             <a:fld id="{D6934EB8-FF4B-B14C-B345-DC29F5D54B05}" type="datetimeFigureOut">
               <a:rPr kumimoji="1" lang="zh-CN" altLang="en-US" smtClean="0"/>
-              <a:t>2023/8/31</a:t>
+              <a:t>2023/9/11</a:t>
             </a:fld>
             <a:endParaRPr kumimoji="1" lang="zh-CN" altLang="en-US"/>
           </a:p>
@@ -593,7 +593,7 @@
           <a:p>
             <a:fld id="{D6934EB8-FF4B-B14C-B345-DC29F5D54B05}" type="datetimeFigureOut">
               <a:rPr kumimoji="1" lang="zh-CN" altLang="en-US" smtClean="0"/>
-              <a:t>2023/8/31</a:t>
+              <a:t>2023/9/11</a:t>
             </a:fld>
             <a:endParaRPr kumimoji="1" lang="zh-CN" altLang="en-US"/>
           </a:p>
@@ -763,7 +763,7 @@
           <a:p>
             <a:fld id="{D6934EB8-FF4B-B14C-B345-DC29F5D54B05}" type="datetimeFigureOut">
               <a:rPr kumimoji="1" lang="zh-CN" altLang="en-US" smtClean="0"/>
-              <a:t>2023/8/31</a:t>
+              <a:t>2023/9/11</a:t>
             </a:fld>
             <a:endParaRPr kumimoji="1" lang="zh-CN" altLang="en-US"/>
           </a:p>
@@ -1007,7 +1007,7 @@
           <a:p>
             <a:fld id="{D6934EB8-FF4B-B14C-B345-DC29F5D54B05}" type="datetimeFigureOut">
               <a:rPr kumimoji="1" lang="zh-CN" altLang="en-US" smtClean="0"/>
-              <a:t>2023/8/31</a:t>
+              <a:t>2023/9/11</a:t>
             </a:fld>
             <a:endParaRPr kumimoji="1" lang="zh-CN" altLang="en-US"/>
           </a:p>
@@ -1239,7 +1239,7 @@
           <a:p>
             <a:fld id="{D6934EB8-FF4B-B14C-B345-DC29F5D54B05}" type="datetimeFigureOut">
               <a:rPr kumimoji="1" lang="zh-CN" altLang="en-US" smtClean="0"/>
-              <a:t>2023/8/31</a:t>
+              <a:t>2023/9/11</a:t>
             </a:fld>
             <a:endParaRPr kumimoji="1" lang="zh-CN" altLang="en-US"/>
           </a:p>
@@ -1606,7 +1606,7 @@
           <a:p>
             <a:fld id="{D6934EB8-FF4B-B14C-B345-DC29F5D54B05}" type="datetimeFigureOut">
               <a:rPr kumimoji="1" lang="zh-CN" altLang="en-US" smtClean="0"/>
-              <a:t>2023/8/31</a:t>
+              <a:t>2023/9/11</a:t>
             </a:fld>
             <a:endParaRPr kumimoji="1" lang="zh-CN" altLang="en-US"/>
           </a:p>
@@ -1724,7 +1724,7 @@
           <a:p>
             <a:fld id="{D6934EB8-FF4B-B14C-B345-DC29F5D54B05}" type="datetimeFigureOut">
               <a:rPr kumimoji="1" lang="zh-CN" altLang="en-US" smtClean="0"/>
-              <a:t>2023/8/31</a:t>
+              <a:t>2023/9/11</a:t>
             </a:fld>
             <a:endParaRPr kumimoji="1" lang="zh-CN" altLang="en-US"/>
           </a:p>
@@ -1819,7 +1819,7 @@
           <a:p>
             <a:fld id="{D6934EB8-FF4B-B14C-B345-DC29F5D54B05}" type="datetimeFigureOut">
               <a:rPr kumimoji="1" lang="zh-CN" altLang="en-US" smtClean="0"/>
-              <a:t>2023/8/31</a:t>
+              <a:t>2023/9/11</a:t>
             </a:fld>
             <a:endParaRPr kumimoji="1" lang="zh-CN" altLang="en-US"/>
           </a:p>
@@ -2096,7 +2096,7 @@
           <a:p>
             <a:fld id="{D6934EB8-FF4B-B14C-B345-DC29F5D54B05}" type="datetimeFigureOut">
               <a:rPr kumimoji="1" lang="zh-CN" altLang="en-US" smtClean="0"/>
-              <a:t>2023/8/31</a:t>
+              <a:t>2023/9/11</a:t>
             </a:fld>
             <a:endParaRPr kumimoji="1" lang="zh-CN" altLang="en-US"/>
           </a:p>
@@ -2353,7 +2353,7 @@
           <a:p>
             <a:fld id="{D6934EB8-FF4B-B14C-B345-DC29F5D54B05}" type="datetimeFigureOut">
               <a:rPr kumimoji="1" lang="zh-CN" altLang="en-US" smtClean="0"/>
-              <a:t>2023/8/31</a:t>
+              <a:t>2023/9/11</a:t>
             </a:fld>
             <a:endParaRPr kumimoji="1" lang="zh-CN" altLang="en-US"/>
           </a:p>
@@ -2566,7 +2566,7 @@
           <a:p>
             <a:fld id="{D6934EB8-FF4B-B14C-B345-DC29F5D54B05}" type="datetimeFigureOut">
               <a:rPr kumimoji="1" lang="zh-CN" altLang="en-US" smtClean="0"/>
-              <a:t>2023/8/31</a:t>
+              <a:t>2023/9/11</a:t>
             </a:fld>
             <a:endParaRPr kumimoji="1" lang="zh-CN" altLang="en-US"/>
           </a:p>
@@ -2993,7 +2993,7 @@
         </p:blipFill>
         <p:spPr>
           <a:xfrm>
-            <a:off x="6634520" y="17747148"/>
+            <a:off x="6634520" y="16037613"/>
             <a:ext cx="5275540" cy="2600407"/>
           </a:xfrm>
           <a:prstGeom prst="rect">
@@ -3023,7 +3023,7 @@
         </p:blipFill>
         <p:spPr>
           <a:xfrm>
-            <a:off x="6565056" y="15229658"/>
+            <a:off x="6565056" y="13520123"/>
             <a:ext cx="5386982" cy="2708926"/>
           </a:xfrm>
           <a:prstGeom prst="rect">
@@ -3053,7 +3053,7 @@
         </p:blipFill>
         <p:spPr>
           <a:xfrm>
-            <a:off x="6523078" y="12396973"/>
+            <a:off x="6523078" y="10687438"/>
             <a:ext cx="5371851" cy="2740422"/>
           </a:xfrm>
           <a:prstGeom prst="rect">
@@ -3083,7 +3083,7 @@
         </p:blipFill>
         <p:spPr>
           <a:xfrm>
-            <a:off x="6751569" y="9731013"/>
+            <a:off x="6751569" y="8021478"/>
             <a:ext cx="5055003" cy="2460988"/>
           </a:xfrm>
           <a:prstGeom prst="rect">
@@ -3113,7 +3113,7 @@
         </p:blipFill>
         <p:spPr>
           <a:xfrm>
-            <a:off x="475715" y="17640654"/>
+            <a:off x="475715" y="15931119"/>
             <a:ext cx="5315761" cy="2599508"/>
           </a:xfrm>
           <a:prstGeom prst="rect">
@@ -3143,7 +3143,7 @@
         </p:blipFill>
         <p:spPr>
           <a:xfrm>
-            <a:off x="511018" y="14991812"/>
+            <a:off x="511018" y="13282277"/>
             <a:ext cx="5419434" cy="2740422"/>
           </a:xfrm>
           <a:prstGeom prst="rect">
@@ -3173,7 +3173,7 @@
         </p:blipFill>
         <p:spPr>
           <a:xfrm>
-            <a:off x="511018" y="12356238"/>
+            <a:off x="511018" y="10646703"/>
             <a:ext cx="5223519" cy="2635574"/>
           </a:xfrm>
           <a:prstGeom prst="rect">
@@ -3203,7 +3203,7 @@
         </p:blipFill>
         <p:spPr>
           <a:xfrm>
-            <a:off x="511018" y="9568319"/>
+            <a:off x="511018" y="7858784"/>
             <a:ext cx="5379325" cy="2623682"/>
           </a:xfrm>
           <a:prstGeom prst="rect">
@@ -3240,7 +3240,7 @@
         </p:blipFill>
         <p:spPr bwMode="auto">
           <a:xfrm>
-            <a:off x="2579687" y="2690295"/>
+            <a:off x="2579687" y="702462"/>
             <a:ext cx="6309700" cy="6317012"/>
           </a:xfrm>
           <a:prstGeom prst="rect">
@@ -3272,7 +3272,7 @@
         </p:nvSpPr>
         <p:spPr>
           <a:xfrm>
-            <a:off x="3965693" y="10595893"/>
+            <a:off x="3965693" y="8886358"/>
             <a:ext cx="2006737" cy="523220"/>
           </a:xfrm>
           <a:prstGeom prst="rect">
@@ -3342,7 +3342,7 @@
         </p:nvSpPr>
         <p:spPr>
           <a:xfrm>
-            <a:off x="3965693" y="13403799"/>
+            <a:off x="3965693" y="11694264"/>
             <a:ext cx="2006737" cy="523220"/>
           </a:xfrm>
           <a:prstGeom prst="rect">
@@ -3412,7 +3412,7 @@
         </p:nvSpPr>
         <p:spPr>
           <a:xfrm>
-            <a:off x="3965693" y="16137563"/>
+            <a:off x="3965693" y="14428028"/>
             <a:ext cx="2006737" cy="523220"/>
           </a:xfrm>
           <a:prstGeom prst="rect">
@@ -3482,7 +3482,7 @@
         </p:nvSpPr>
         <p:spPr>
           <a:xfrm>
-            <a:off x="3965693" y="18772471"/>
+            <a:off x="3965693" y="17062936"/>
             <a:ext cx="2006737" cy="523220"/>
           </a:xfrm>
           <a:prstGeom prst="rect">
@@ -3552,7 +3552,7 @@
         </p:nvSpPr>
         <p:spPr>
           <a:xfrm>
-            <a:off x="511431" y="9359590"/>
+            <a:off x="511431" y="7650055"/>
             <a:ext cx="5386982" cy="11522928"/>
           </a:xfrm>
           <a:prstGeom prst="roundRect">
@@ -3605,7 +3605,7 @@
         </p:nvSpPr>
         <p:spPr>
           <a:xfrm>
-            <a:off x="1208008" y="8532399"/>
+            <a:off x="1208008" y="6822864"/>
             <a:ext cx="4344576" cy="646331"/>
           </a:xfrm>
           <a:prstGeom prst="rect">
@@ -3685,7 +3685,7 @@
         </p:nvSpPr>
         <p:spPr>
           <a:xfrm>
-            <a:off x="6523078" y="9359590"/>
+            <a:off x="6523078" y="7650055"/>
             <a:ext cx="5386982" cy="11522928"/>
           </a:xfrm>
           <a:prstGeom prst="roundRect">
@@ -3738,7 +3738,7 @@
         </p:nvSpPr>
         <p:spPr>
           <a:xfrm>
-            <a:off x="7300595" y="8532400"/>
+            <a:off x="7300595" y="6822865"/>
             <a:ext cx="4344576" cy="646331"/>
           </a:xfrm>
           <a:prstGeom prst="rect">
@@ -3818,7 +3818,7 @@
         </p:nvSpPr>
         <p:spPr>
           <a:xfrm>
-            <a:off x="950489" y="3153926"/>
+            <a:off x="4864427" y="56131"/>
             <a:ext cx="4344576" cy="646331"/>
           </a:xfrm>
           <a:prstGeom prst="rect">
@@ -3832,34 +3832,6 @@
           </a:bodyPr>
           <a:lstStyle/>
           <a:p>
-            <a:r>
-              <a:rPr kumimoji="1" lang="en-US" altLang="zh-CN" sz="3600" b="1" dirty="0">
-                <a:latin typeface="Times New Roman" panose="02020603050405020304" pitchFamily="18" charset="0"/>
-                <a:cs typeface="Times New Roman" panose="02020603050405020304" pitchFamily="18" charset="0"/>
-              </a:rPr>
-              <a:t>Mesh</a:t>
-            </a:r>
-            <a:r>
-              <a:rPr kumimoji="1" lang="zh-CN" altLang="en-US" sz="3600" b="1" dirty="0">
-                <a:latin typeface="Times New Roman" panose="02020603050405020304" pitchFamily="18" charset="0"/>
-                <a:cs typeface="Times New Roman" panose="02020603050405020304" pitchFamily="18" charset="0"/>
-              </a:rPr>
-              <a:t> </a:t>
-            </a:r>
-            <a:r>
-              <a:rPr kumimoji="1" lang="en-US" altLang="zh-CN" sz="3600" b="1" dirty="0">
-                <a:latin typeface="Times New Roman" panose="02020603050405020304" pitchFamily="18" charset="0"/>
-                <a:cs typeface="Times New Roman" panose="02020603050405020304" pitchFamily="18" charset="0"/>
-              </a:rPr>
-              <a:t>of</a:t>
-            </a:r>
-            <a:r>
-              <a:rPr kumimoji="1" lang="zh-CN" altLang="en-US" sz="3600" b="1" dirty="0">
-                <a:latin typeface="Times New Roman" panose="02020603050405020304" pitchFamily="18" charset="0"/>
-                <a:cs typeface="Times New Roman" panose="02020603050405020304" pitchFamily="18" charset="0"/>
-              </a:rPr>
-              <a:t> </a:t>
-            </a:r>
             <a:r>
               <a:rPr kumimoji="1" lang="en-US" altLang="zh-CN" sz="3600" b="1" dirty="0">
                 <a:latin typeface="Times New Roman" panose="02020603050405020304" pitchFamily="18" charset="0"/>
@@ -3884,7 +3856,7 @@
         </p:nvSpPr>
         <p:spPr>
           <a:xfrm>
-            <a:off x="10020372" y="10595893"/>
+            <a:off x="10020372" y="8886358"/>
             <a:ext cx="2006737" cy="523220"/>
           </a:xfrm>
           <a:prstGeom prst="rect">
@@ -3954,7 +3926,7 @@
         </p:nvSpPr>
         <p:spPr>
           <a:xfrm>
-            <a:off x="10020372" y="13304943"/>
+            <a:off x="10020372" y="11595408"/>
             <a:ext cx="2006737" cy="523220"/>
           </a:xfrm>
           <a:prstGeom prst="rect">
@@ -4024,7 +3996,7 @@
         </p:nvSpPr>
         <p:spPr>
           <a:xfrm>
-            <a:off x="10020372" y="16137563"/>
+            <a:off x="10020372" y="14428028"/>
             <a:ext cx="2006737" cy="523220"/>
           </a:xfrm>
           <a:prstGeom prst="rect">
@@ -4094,7 +4066,7 @@
         </p:nvSpPr>
         <p:spPr>
           <a:xfrm>
-            <a:off x="10020372" y="18723043"/>
+            <a:off x="10020372" y="17013508"/>
             <a:ext cx="2006737" cy="523220"/>
           </a:xfrm>
           <a:prstGeom prst="rect">
